--- a/03_sql_bdd_laplace/Diaz_Joaquim_2_support.pptx
+++ b/03_sql_bdd_laplace/Diaz_Joaquim_2_support.pptx
@@ -34425,10 +34425,6 @@
               <a:buSzPts val="1500"/>
               <a:buNone/>
             </a:pPr>
-            <a:r>
-              <a:rPr lang="fr" dirty="0"/>
-              <a:t>LOREM IPSUM DOLOR SIT AMET</a:t>
-            </a:r>
             <a:endParaRPr dirty="0"/>
           </a:p>
         </p:txBody>
